--- a/POS/Abstract Factory.pptx
+++ b/POS/Abstract Factory.pptx
@@ -128,6 +128,9 @@
         </p14:section>
       </p14:sectionLst>
     </p:ext>
+    <p:ext uri="{EFAFB233-063F-42B5-8137-9DF3F51BA10A}">
+      <p15:sldGuideLst xmlns:p15="http://schemas.microsoft.com/office/powerpoint/2012/main"/>
+    </p:ext>
   </p:extLst>
 </p:presentation>
 </file>
@@ -318,7 +321,7 @@
           <a:p>
             <a:fld id="{440E57D3-EF8B-485D-8902-C0656D58A24D}" type="datetimeFigureOut">
               <a:rPr lang="de-AT" smtClean="0"/>
-              <a:t>01.06.2022</a:t>
+              <a:t>03.06.2022</a:t>
             </a:fld>
             <a:endParaRPr lang="de-AT"/>
           </a:p>
@@ -518,7 +521,7 @@
           <a:p>
             <a:fld id="{440E57D3-EF8B-485D-8902-C0656D58A24D}" type="datetimeFigureOut">
               <a:rPr lang="de-AT" smtClean="0"/>
-              <a:t>01.06.2022</a:t>
+              <a:t>03.06.2022</a:t>
             </a:fld>
             <a:endParaRPr lang="de-AT"/>
           </a:p>
@@ -728,7 +731,7 @@
           <a:p>
             <a:fld id="{440E57D3-EF8B-485D-8902-C0656D58A24D}" type="datetimeFigureOut">
               <a:rPr lang="de-AT" smtClean="0"/>
-              <a:t>01.06.2022</a:t>
+              <a:t>03.06.2022</a:t>
             </a:fld>
             <a:endParaRPr lang="de-AT"/>
           </a:p>
@@ -928,7 +931,7 @@
           <a:p>
             <a:fld id="{440E57D3-EF8B-485D-8902-C0656D58A24D}" type="datetimeFigureOut">
               <a:rPr lang="de-AT" smtClean="0"/>
-              <a:t>01.06.2022</a:t>
+              <a:t>03.06.2022</a:t>
             </a:fld>
             <a:endParaRPr lang="de-AT"/>
           </a:p>
@@ -1204,7 +1207,7 @@
           <a:p>
             <a:fld id="{440E57D3-EF8B-485D-8902-C0656D58A24D}" type="datetimeFigureOut">
               <a:rPr lang="de-AT" smtClean="0"/>
-              <a:t>01.06.2022</a:t>
+              <a:t>03.06.2022</a:t>
             </a:fld>
             <a:endParaRPr lang="de-AT"/>
           </a:p>
@@ -1472,7 +1475,7 @@
           <a:p>
             <a:fld id="{440E57D3-EF8B-485D-8902-C0656D58A24D}" type="datetimeFigureOut">
               <a:rPr lang="de-AT" smtClean="0"/>
-              <a:t>01.06.2022</a:t>
+              <a:t>03.06.2022</a:t>
             </a:fld>
             <a:endParaRPr lang="de-AT"/>
           </a:p>
@@ -1887,7 +1890,7 @@
           <a:p>
             <a:fld id="{440E57D3-EF8B-485D-8902-C0656D58A24D}" type="datetimeFigureOut">
               <a:rPr lang="de-AT" smtClean="0"/>
-              <a:t>01.06.2022</a:t>
+              <a:t>03.06.2022</a:t>
             </a:fld>
             <a:endParaRPr lang="de-AT"/>
           </a:p>
@@ -2029,7 +2032,7 @@
           <a:p>
             <a:fld id="{440E57D3-EF8B-485D-8902-C0656D58A24D}" type="datetimeFigureOut">
               <a:rPr lang="de-AT" smtClean="0"/>
-              <a:t>01.06.2022</a:t>
+              <a:t>03.06.2022</a:t>
             </a:fld>
             <a:endParaRPr lang="de-AT"/>
           </a:p>
@@ -2142,7 +2145,7 @@
           <a:p>
             <a:fld id="{440E57D3-EF8B-485D-8902-C0656D58A24D}" type="datetimeFigureOut">
               <a:rPr lang="de-AT" smtClean="0"/>
-              <a:t>01.06.2022</a:t>
+              <a:t>03.06.2022</a:t>
             </a:fld>
             <a:endParaRPr lang="de-AT"/>
           </a:p>
@@ -2455,7 +2458,7 @@
           <a:p>
             <a:fld id="{440E57D3-EF8B-485D-8902-C0656D58A24D}" type="datetimeFigureOut">
               <a:rPr lang="de-AT" smtClean="0"/>
-              <a:t>01.06.2022</a:t>
+              <a:t>03.06.2022</a:t>
             </a:fld>
             <a:endParaRPr lang="de-AT"/>
           </a:p>
@@ -2744,7 +2747,7 @@
           <a:p>
             <a:fld id="{440E57D3-EF8B-485D-8902-C0656D58A24D}" type="datetimeFigureOut">
               <a:rPr lang="de-AT" smtClean="0"/>
-              <a:t>01.06.2022</a:t>
+              <a:t>03.06.2022</a:t>
             </a:fld>
             <a:endParaRPr lang="de-AT"/>
           </a:p>
@@ -2987,7 +2990,7 @@
           <a:p>
             <a:fld id="{440E57D3-EF8B-485D-8902-C0656D58A24D}" type="datetimeFigureOut">
               <a:rPr lang="de-AT" smtClean="0"/>
-              <a:t>01.06.2022</a:t>
+              <a:t>03.06.2022</a:t>
             </a:fld>
             <a:endParaRPr lang="de-AT"/>
           </a:p>
@@ -6546,7 +6549,7 @@
                   </a:schemeClr>
                 </a:solidFill>
               </a:rPr>
-              <a:t>Praktisch</a:t>
+              <a:t>Praktisches</a:t>
             </a:r>
             <a:r>
               <a:rPr lang="en-US" sz="3600" dirty="0">

--- a/POS/Abstract Factory.pptx
+++ b/POS/Abstract Factory.pptx
@@ -147,8 +147,8 @@
 <pc:chgInfo xmlns:a="http://schemas.openxmlformats.org/drawingml/2006/main" xmlns:r="http://schemas.openxmlformats.org/officeDocument/2006/relationships" xmlns:ac="http://schemas.microsoft.com/office/drawing/2013/main/command" xmlns:pc="http://schemas.microsoft.com/office/powerpoint/2013/main/command">
   <pc:docChgLst>
     <pc:chgData name="Lara Winkler" userId="621715adbec7586b" providerId="LiveId" clId="{18AE3BA0-F9D4-4E6C-9212-F85C7D4C7472}"/>
-    <pc:docChg chg="modSld">
-      <pc:chgData name="Lara Winkler" userId="621715adbec7586b" providerId="LiveId" clId="{18AE3BA0-F9D4-4E6C-9212-F85C7D4C7472}" dt="2022-06-02T00:45:52.160" v="1" actId="20577"/>
+    <pc:docChg chg="custSel modSld">
+      <pc:chgData name="Lara Winkler" userId="621715adbec7586b" providerId="LiveId" clId="{18AE3BA0-F9D4-4E6C-9212-F85C7D4C7472}" dt="2022-06-08T22:14:41.538" v="27" actId="20577"/>
       <pc:docMkLst>
         <pc:docMk/>
       </pc:docMkLst>
@@ -164,6 +164,21 @@
             <pc:docMk/>
             <pc:sldMk cId="761749035" sldId="256"/>
             <ac:spMk id="2" creationId="{EFB9566E-1DFB-480E-3FD1-2A54FC2262EF}"/>
+          </ac:spMkLst>
+        </pc:spChg>
+      </pc:sldChg>
+      <pc:sldChg chg="modSp mod">
+        <pc:chgData name="Lara Winkler" userId="621715adbec7586b" providerId="LiveId" clId="{18AE3BA0-F9D4-4E6C-9212-F85C7D4C7472}" dt="2022-06-08T22:14:41.538" v="27" actId="20577"/>
+        <pc:sldMkLst>
+          <pc:docMk/>
+          <pc:sldMk cId="1887715644" sldId="257"/>
+        </pc:sldMkLst>
+        <pc:spChg chg="mod">
+          <ac:chgData name="Lara Winkler" userId="621715adbec7586b" providerId="LiveId" clId="{18AE3BA0-F9D4-4E6C-9212-F85C7D4C7472}" dt="2022-06-08T22:14:41.538" v="27" actId="20577"/>
+          <ac:spMkLst>
+            <pc:docMk/>
+            <pc:sldMk cId="1887715644" sldId="257"/>
+            <ac:spMk id="3" creationId="{B7AFDF5E-15F0-ED62-9B14-46316478A0C5}"/>
           </ac:spMkLst>
         </pc:spChg>
       </pc:sldChg>
@@ -321,7 +336,7 @@
           <a:p>
             <a:fld id="{440E57D3-EF8B-485D-8902-C0656D58A24D}" type="datetimeFigureOut">
               <a:rPr lang="de-AT" smtClean="0"/>
-              <a:t>03.06.2022</a:t>
+              <a:t>08.06.2022</a:t>
             </a:fld>
             <a:endParaRPr lang="de-AT"/>
           </a:p>
@@ -521,7 +536,7 @@
           <a:p>
             <a:fld id="{440E57D3-EF8B-485D-8902-C0656D58A24D}" type="datetimeFigureOut">
               <a:rPr lang="de-AT" smtClean="0"/>
-              <a:t>03.06.2022</a:t>
+              <a:t>08.06.2022</a:t>
             </a:fld>
             <a:endParaRPr lang="de-AT"/>
           </a:p>
@@ -731,7 +746,7 @@
           <a:p>
             <a:fld id="{440E57D3-EF8B-485D-8902-C0656D58A24D}" type="datetimeFigureOut">
               <a:rPr lang="de-AT" smtClean="0"/>
-              <a:t>03.06.2022</a:t>
+              <a:t>08.06.2022</a:t>
             </a:fld>
             <a:endParaRPr lang="de-AT"/>
           </a:p>
@@ -931,7 +946,7 @@
           <a:p>
             <a:fld id="{440E57D3-EF8B-485D-8902-C0656D58A24D}" type="datetimeFigureOut">
               <a:rPr lang="de-AT" smtClean="0"/>
-              <a:t>03.06.2022</a:t>
+              <a:t>08.06.2022</a:t>
             </a:fld>
             <a:endParaRPr lang="de-AT"/>
           </a:p>
@@ -1207,7 +1222,7 @@
           <a:p>
             <a:fld id="{440E57D3-EF8B-485D-8902-C0656D58A24D}" type="datetimeFigureOut">
               <a:rPr lang="de-AT" smtClean="0"/>
-              <a:t>03.06.2022</a:t>
+              <a:t>08.06.2022</a:t>
             </a:fld>
             <a:endParaRPr lang="de-AT"/>
           </a:p>
@@ -1475,7 +1490,7 @@
           <a:p>
             <a:fld id="{440E57D3-EF8B-485D-8902-C0656D58A24D}" type="datetimeFigureOut">
               <a:rPr lang="de-AT" smtClean="0"/>
-              <a:t>03.06.2022</a:t>
+              <a:t>08.06.2022</a:t>
             </a:fld>
             <a:endParaRPr lang="de-AT"/>
           </a:p>
@@ -1890,7 +1905,7 @@
           <a:p>
             <a:fld id="{440E57D3-EF8B-485D-8902-C0656D58A24D}" type="datetimeFigureOut">
               <a:rPr lang="de-AT" smtClean="0"/>
-              <a:t>03.06.2022</a:t>
+              <a:t>08.06.2022</a:t>
             </a:fld>
             <a:endParaRPr lang="de-AT"/>
           </a:p>
@@ -2032,7 +2047,7 @@
           <a:p>
             <a:fld id="{440E57D3-EF8B-485D-8902-C0656D58A24D}" type="datetimeFigureOut">
               <a:rPr lang="de-AT" smtClean="0"/>
-              <a:t>03.06.2022</a:t>
+              <a:t>08.06.2022</a:t>
             </a:fld>
             <a:endParaRPr lang="de-AT"/>
           </a:p>
@@ -2145,7 +2160,7 @@
           <a:p>
             <a:fld id="{440E57D3-EF8B-485D-8902-C0656D58A24D}" type="datetimeFigureOut">
               <a:rPr lang="de-AT" smtClean="0"/>
-              <a:t>03.06.2022</a:t>
+              <a:t>08.06.2022</a:t>
             </a:fld>
             <a:endParaRPr lang="de-AT"/>
           </a:p>
@@ -2458,7 +2473,7 @@
           <a:p>
             <a:fld id="{440E57D3-EF8B-485D-8902-C0656D58A24D}" type="datetimeFigureOut">
               <a:rPr lang="de-AT" smtClean="0"/>
-              <a:t>03.06.2022</a:t>
+              <a:t>08.06.2022</a:t>
             </a:fld>
             <a:endParaRPr lang="de-AT"/>
           </a:p>
@@ -2747,7 +2762,7 @@
           <a:p>
             <a:fld id="{440E57D3-EF8B-485D-8902-C0656D58A24D}" type="datetimeFigureOut">
               <a:rPr lang="de-AT" smtClean="0"/>
-              <a:t>03.06.2022</a:t>
+              <a:t>08.06.2022</a:t>
             </a:fld>
             <a:endParaRPr lang="de-AT"/>
           </a:p>
@@ -2990,7 +3005,7 @@
           <a:p>
             <a:fld id="{440E57D3-EF8B-485D-8902-C0656D58A24D}" type="datetimeFigureOut">
               <a:rPr lang="de-AT" smtClean="0"/>
-              <a:t>03.06.2022</a:t>
+              <a:t>08.06.2022</a:t>
             </a:fld>
             <a:endParaRPr lang="de-AT"/>
           </a:p>
@@ -4151,7 +4166,7 @@
               <a:rPr lang="de-DE" b="0" i="0" dirty="0">
                 <a:effectLst/>
               </a:rPr>
-              <a:t>mittels Fabrikmethoden realisiert</a:t>
+              <a:t>mittels Factory Method erstellt</a:t>
             </a:r>
             <a:endParaRPr lang="de-DE" dirty="0"/>
           </a:p>

--- a/POS/Abstract Factory.pptx
+++ b/POS/Abstract Factory.pptx
@@ -148,7 +148,7 @@
   <pc:docChgLst>
     <pc:chgData name="Lara Winkler" userId="621715adbec7586b" providerId="LiveId" clId="{18AE3BA0-F9D4-4E6C-9212-F85C7D4C7472}"/>
     <pc:docChg chg="custSel modSld">
-      <pc:chgData name="Lara Winkler" userId="621715adbec7586b" providerId="LiveId" clId="{18AE3BA0-F9D4-4E6C-9212-F85C7D4C7472}" dt="2022-06-08T22:14:41.538" v="27" actId="20577"/>
+      <pc:chgData name="Lara Winkler" userId="621715adbec7586b" providerId="LiveId" clId="{18AE3BA0-F9D4-4E6C-9212-F85C7D4C7472}" dt="2022-06-08T22:18:32.828" v="29" actId="20577"/>
       <pc:docMkLst>
         <pc:docMk/>
       </pc:docMkLst>
@@ -182,6 +182,21 @@
           </ac:spMkLst>
         </pc:spChg>
       </pc:sldChg>
+      <pc:sldChg chg="modSp mod">
+        <pc:chgData name="Lara Winkler" userId="621715adbec7586b" providerId="LiveId" clId="{18AE3BA0-F9D4-4E6C-9212-F85C7D4C7472}" dt="2022-06-08T22:18:32.828" v="29" actId="20577"/>
+        <pc:sldMkLst>
+          <pc:docMk/>
+          <pc:sldMk cId="1535570727" sldId="259"/>
+        </pc:sldMkLst>
+        <pc:spChg chg="mod">
+          <ac:chgData name="Lara Winkler" userId="621715adbec7586b" providerId="LiveId" clId="{18AE3BA0-F9D4-4E6C-9212-F85C7D4C7472}" dt="2022-06-08T22:18:32.828" v="29" actId="20577"/>
+          <ac:spMkLst>
+            <pc:docMk/>
+            <pc:sldMk cId="1535570727" sldId="259"/>
+            <ac:spMk id="3" creationId="{B8AF8F1D-5586-6484-C256-4227F533063B}"/>
+          </ac:spMkLst>
+        </pc:spChg>
+      </pc:sldChg>
     </pc:docChg>
   </pc:docChgLst>
 </pc:chgInfo>
@@ -336,7 +351,7 @@
           <a:p>
             <a:fld id="{440E57D3-EF8B-485D-8902-C0656D58A24D}" type="datetimeFigureOut">
               <a:rPr lang="de-AT" smtClean="0"/>
-              <a:t>08.06.2022</a:t>
+              <a:t>09.06.2022</a:t>
             </a:fld>
             <a:endParaRPr lang="de-AT"/>
           </a:p>
@@ -536,7 +551,7 @@
           <a:p>
             <a:fld id="{440E57D3-EF8B-485D-8902-C0656D58A24D}" type="datetimeFigureOut">
               <a:rPr lang="de-AT" smtClean="0"/>
-              <a:t>08.06.2022</a:t>
+              <a:t>09.06.2022</a:t>
             </a:fld>
             <a:endParaRPr lang="de-AT"/>
           </a:p>
@@ -746,7 +761,7 @@
           <a:p>
             <a:fld id="{440E57D3-EF8B-485D-8902-C0656D58A24D}" type="datetimeFigureOut">
               <a:rPr lang="de-AT" smtClean="0"/>
-              <a:t>08.06.2022</a:t>
+              <a:t>09.06.2022</a:t>
             </a:fld>
             <a:endParaRPr lang="de-AT"/>
           </a:p>
@@ -946,7 +961,7 @@
           <a:p>
             <a:fld id="{440E57D3-EF8B-485D-8902-C0656D58A24D}" type="datetimeFigureOut">
               <a:rPr lang="de-AT" smtClean="0"/>
-              <a:t>08.06.2022</a:t>
+              <a:t>09.06.2022</a:t>
             </a:fld>
             <a:endParaRPr lang="de-AT"/>
           </a:p>
@@ -1222,7 +1237,7 @@
           <a:p>
             <a:fld id="{440E57D3-EF8B-485D-8902-C0656D58A24D}" type="datetimeFigureOut">
               <a:rPr lang="de-AT" smtClean="0"/>
-              <a:t>08.06.2022</a:t>
+              <a:t>09.06.2022</a:t>
             </a:fld>
             <a:endParaRPr lang="de-AT"/>
           </a:p>
@@ -1490,7 +1505,7 @@
           <a:p>
             <a:fld id="{440E57D3-EF8B-485D-8902-C0656D58A24D}" type="datetimeFigureOut">
               <a:rPr lang="de-AT" smtClean="0"/>
-              <a:t>08.06.2022</a:t>
+              <a:t>09.06.2022</a:t>
             </a:fld>
             <a:endParaRPr lang="de-AT"/>
           </a:p>
@@ -1905,7 +1920,7 @@
           <a:p>
             <a:fld id="{440E57D3-EF8B-485D-8902-C0656D58A24D}" type="datetimeFigureOut">
               <a:rPr lang="de-AT" smtClean="0"/>
-              <a:t>08.06.2022</a:t>
+              <a:t>09.06.2022</a:t>
             </a:fld>
             <a:endParaRPr lang="de-AT"/>
           </a:p>
@@ -2047,7 +2062,7 @@
           <a:p>
             <a:fld id="{440E57D3-EF8B-485D-8902-C0656D58A24D}" type="datetimeFigureOut">
               <a:rPr lang="de-AT" smtClean="0"/>
-              <a:t>08.06.2022</a:t>
+              <a:t>09.06.2022</a:t>
             </a:fld>
             <a:endParaRPr lang="de-AT"/>
           </a:p>
@@ -2160,7 +2175,7 @@
           <a:p>
             <a:fld id="{440E57D3-EF8B-485D-8902-C0656D58A24D}" type="datetimeFigureOut">
               <a:rPr lang="de-AT" smtClean="0"/>
-              <a:t>08.06.2022</a:t>
+              <a:t>09.06.2022</a:t>
             </a:fld>
             <a:endParaRPr lang="de-AT"/>
           </a:p>
@@ -2473,7 +2488,7 @@
           <a:p>
             <a:fld id="{440E57D3-EF8B-485D-8902-C0656D58A24D}" type="datetimeFigureOut">
               <a:rPr lang="de-AT" smtClean="0"/>
-              <a:t>08.06.2022</a:t>
+              <a:t>09.06.2022</a:t>
             </a:fld>
             <a:endParaRPr lang="de-AT"/>
           </a:p>
@@ -2762,7 +2777,7 @@
           <a:p>
             <a:fld id="{440E57D3-EF8B-485D-8902-C0656D58A24D}" type="datetimeFigureOut">
               <a:rPr lang="de-AT" smtClean="0"/>
-              <a:t>08.06.2022</a:t>
+              <a:t>09.06.2022</a:t>
             </a:fld>
             <a:endParaRPr lang="de-AT"/>
           </a:p>
@@ -3005,7 +3020,7 @@
           <a:p>
             <a:fld id="{440E57D3-EF8B-485D-8902-C0656D58A24D}" type="datetimeFigureOut">
               <a:rPr lang="de-AT" smtClean="0"/>
-              <a:t>08.06.2022</a:t>
+              <a:t>09.06.2022</a:t>
             </a:fld>
             <a:endParaRPr lang="de-AT"/>
           </a:p>
@@ -5138,10 +5153,16 @@
           </a:p>
           <a:p>
             <a:r>
+              <a:rPr lang="de-DE" sz="2000" b="0" i="0">
+                <a:effectLst/>
+              </a:rPr>
+              <a:t>definiert </a:t>
+            </a:r>
+            <a:r>
               <a:rPr lang="de-DE" sz="2000" b="0" i="0" dirty="0">
                 <a:effectLst/>
               </a:rPr>
-              <a:t>Diese Factoryschnittstelle, Abstract Factory, definiert für jedes Produkt der Produktfamilie eine Operation</a:t>
+              <a:t>für jedes Produkt der Produktfamilie eine Operation</a:t>
             </a:r>
           </a:p>
           <a:p>
